--- a/3.SINIF/Veritabanı/MONGODB_ECE_PYTHON.pptx
+++ b/3.SINIF/Veritabanı/MONGODB_ECE_PYTHON.pptx
@@ -1533,7 +1533,7 @@
           <a:p>
             <a:fld id="{3510BF80-F391-4AA3-9FE2-009AA9232814}" type="datetimeFigureOut">
               <a:rPr lang="tr-TR" smtClean="0"/>
-              <a:t>7.01.2023</a:t>
+              <a:t>14.01.2023</a:t>
             </a:fld>
             <a:endParaRPr lang="tr-TR"/>
           </a:p>
@@ -2992,7 +2992,7 @@
           <a:p>
             <a:fld id="{3510BF80-F391-4AA3-9FE2-009AA9232814}" type="datetimeFigureOut">
               <a:rPr lang="tr-TR" smtClean="0"/>
-              <a:t>7.01.2023</a:t>
+              <a:t>14.01.2023</a:t>
             </a:fld>
             <a:endParaRPr lang="tr-TR"/>
           </a:p>
@@ -4445,7 +4445,7 @@
           <a:p>
             <a:fld id="{3510BF80-F391-4AA3-9FE2-009AA9232814}" type="datetimeFigureOut">
               <a:rPr lang="tr-TR" smtClean="0"/>
-              <a:t>7.01.2023</a:t>
+              <a:t>14.01.2023</a:t>
             </a:fld>
             <a:endParaRPr lang="tr-TR"/>
           </a:p>
@@ -5900,7 +5900,7 @@
           <a:p>
             <a:fld id="{3510BF80-F391-4AA3-9FE2-009AA9232814}" type="datetimeFigureOut">
               <a:rPr lang="tr-TR" smtClean="0"/>
-              <a:t>7.01.2023</a:t>
+              <a:t>14.01.2023</a:t>
             </a:fld>
             <a:endParaRPr lang="tr-TR"/>
           </a:p>
@@ -7408,7 +7408,7 @@
           <a:p>
             <a:fld id="{3510BF80-F391-4AA3-9FE2-009AA9232814}" type="datetimeFigureOut">
               <a:rPr lang="tr-TR" smtClean="0"/>
-              <a:t>7.01.2023</a:t>
+              <a:t>14.01.2023</a:t>
             </a:fld>
             <a:endParaRPr lang="tr-TR"/>
           </a:p>
@@ -8929,7 +8929,7 @@
           <a:p>
             <a:fld id="{3510BF80-F391-4AA3-9FE2-009AA9232814}" type="datetimeFigureOut">
               <a:rPr lang="tr-TR" smtClean="0"/>
-              <a:t>7.01.2023</a:t>
+              <a:t>14.01.2023</a:t>
             </a:fld>
             <a:endParaRPr lang="tr-TR"/>
           </a:p>
@@ -10594,7 +10594,7 @@
           <a:p>
             <a:fld id="{3510BF80-F391-4AA3-9FE2-009AA9232814}" type="datetimeFigureOut">
               <a:rPr lang="tr-TR" smtClean="0"/>
-              <a:t>7.01.2023</a:t>
+              <a:t>14.01.2023</a:t>
             </a:fld>
             <a:endParaRPr lang="tr-TR"/>
           </a:p>
@@ -11992,7 +11992,7 @@
           <a:p>
             <a:fld id="{3510BF80-F391-4AA3-9FE2-009AA9232814}" type="datetimeFigureOut">
               <a:rPr lang="tr-TR" smtClean="0"/>
-              <a:t>7.01.2023</a:t>
+              <a:t>14.01.2023</a:t>
             </a:fld>
             <a:endParaRPr lang="tr-TR"/>
           </a:p>
@@ -12092,7 +12092,7 @@
           <a:p>
             <a:fld id="{3510BF80-F391-4AA3-9FE2-009AA9232814}" type="datetimeFigureOut">
               <a:rPr lang="tr-TR" smtClean="0"/>
-              <a:t>7.01.2023</a:t>
+              <a:t>14.01.2023</a:t>
             </a:fld>
             <a:endParaRPr lang="tr-TR"/>
           </a:p>
@@ -13618,7 +13618,7 @@
           <a:p>
             <a:fld id="{3510BF80-F391-4AA3-9FE2-009AA9232814}" type="datetimeFigureOut">
               <a:rPr lang="tr-TR" smtClean="0"/>
-              <a:t>7.01.2023</a:t>
+              <a:t>14.01.2023</a:t>
             </a:fld>
             <a:endParaRPr lang="tr-TR"/>
           </a:p>
@@ -15154,7 +15154,7 @@
           <a:p>
             <a:fld id="{3510BF80-F391-4AA3-9FE2-009AA9232814}" type="datetimeFigureOut">
               <a:rPr lang="tr-TR" smtClean="0"/>
-              <a:t>7.01.2023</a:t>
+              <a:t>14.01.2023</a:t>
             </a:fld>
             <a:endParaRPr lang="tr-TR"/>
           </a:p>
@@ -15404,7 +15404,7 @@
           <a:p>
             <a:fld id="{3510BF80-F391-4AA3-9FE2-009AA9232814}" type="datetimeFigureOut">
               <a:rPr lang="tr-TR" smtClean="0"/>
-              <a:t>7.01.2023</a:t>
+              <a:t>14.01.2023</a:t>
             </a:fld>
             <a:endParaRPr lang="tr-TR"/>
           </a:p>
@@ -15894,8 +15894,8 @@
         </p:nvSpPr>
         <p:spPr>
           <a:xfrm>
-            <a:off x="10291105" y="6069874"/>
-            <a:ext cx="1527982" cy="369332"/>
+            <a:off x="10348546" y="6251331"/>
+            <a:ext cx="1743102" cy="369332"/>
           </a:xfrm>
           <a:prstGeom prst="rect">
             <a:avLst/>
@@ -15903,7 +15903,7 @@
           <a:noFill/>
         </p:spPr>
         <p:txBody>
-          <a:bodyPr wrap="none" rtlCol="0">
+          <a:bodyPr wrap="square" rtlCol="0">
             <a:spAutoFit/>
           </a:bodyPr>
           <a:lstStyle/>
